--- a/Final_Presentation.pptx
+++ b/Final_Presentation.pptx
@@ -19,8 +19,8 @@
     <p:sldId id="264" r:id="rId10"/>
     <p:sldId id="260" r:id="rId11"/>
     <p:sldId id="277" r:id="rId12"/>
-    <p:sldId id="275" r:id="rId13"/>
-    <p:sldId id="274" r:id="rId14"/>
+    <p:sldId id="280" r:id="rId13"/>
+    <p:sldId id="275" r:id="rId14"/>
     <p:sldId id="263" r:id="rId15"/>
   </p:sldIdLst>
   <p:sldSz cx="9144000" cy="6858000" type="screen4x3"/>
@@ -3979,91 +3979,128 @@
           <a:lstStyle/>
           <a:p>
             <a:r>
-              <a:rPr sz="4000" b="1" dirty="0">
+              <a:rPr lang="en-US" b="1" dirty="0">
                 <a:solidFill>
                   <a:srgbClr val="004C6D"/>
                 </a:solidFill>
               </a:rPr>
-              <a:t>Thank You – Questions?</a:t>
-            </a:r>
-          </a:p>
-        </p:txBody>
-      </p:sp>
-      <p:sp>
-        <p:nvSpPr>
-          <p:cNvPr id="3" name="Content Placeholder 2"/>
-          <p:cNvSpPr>
-            <a:spLocks noGrp="1"/>
-          </p:cNvSpPr>
-          <p:nvPr>
-            <p:ph idx="1"/>
-          </p:nvPr>
+              <a:t>Next Steps:</a:t>
+            </a:r>
+            <a:endParaRPr dirty="0"/>
+          </a:p>
+        </p:txBody>
+      </p:sp>
+      <p:sp>
+        <p:nvSpPr>
+          <p:cNvPr id="3" name="TextBox 2"/>
+          <p:cNvSpPr txBox="1"/>
+          <p:nvPr/>
         </p:nvSpPr>
         <p:spPr>
           <a:xfrm>
-            <a:off x="457200" y="1654630"/>
-            <a:ext cx="8229600" cy="4525963"/>
+            <a:off x="544286" y="1360714"/>
+            <a:ext cx="8316686" cy="3785652"/>
           </a:xfrm>
+          <a:prstGeom prst="rect">
+            <a:avLst/>
+          </a:prstGeom>
+          <a:noFill/>
         </p:spPr>
         <p:txBody>
-          <a:bodyPr>
-            <a:normAutofit/>
+          <a:bodyPr wrap="square">
+            <a:spAutoFit/>
           </a:bodyPr>
           <a:lstStyle/>
           <a:p>
-            <a:r>
-              <a:rPr sz="2600" dirty="0">
-                <a:solidFill>
-                  <a:srgbClr val="323232"/>
-                </a:solidFill>
-              </a:rPr>
-              <a:t>Vincent </a:t>
-            </a:r>
-            <a:r>
-              <a:rPr sz="2600" dirty="0" err="1">
-                <a:solidFill>
-                  <a:srgbClr val="323232"/>
-                </a:solidFill>
-              </a:rPr>
-              <a:t>Barchok</a:t>
-            </a:r>
-            <a:r>
-              <a:rPr sz="2600" dirty="0">
-                <a:solidFill>
-                  <a:srgbClr val="323232"/>
-                </a:solidFill>
-              </a:rPr>
-              <a:t> Ngochoch</a:t>
-            </a:r>
-          </a:p>
-          <a:p>
-            <a:r>
-              <a:rPr sz="2600" dirty="0">
-                <a:solidFill>
-                  <a:srgbClr val="323232"/>
-                </a:solidFill>
-              </a:rPr>
-              <a:t>Email: vbarchok@gmail.com</a:t>
-            </a:r>
-          </a:p>
-          <a:p>
-            <a:r>
-              <a:rPr sz="2600" dirty="0">
-                <a:solidFill>
-                  <a:srgbClr val="323232"/>
-                </a:solidFill>
-              </a:rPr>
-              <a:t>LinkedIn: www.linkedin.com/in/vincent-ngochoch-94095b64</a:t>
-            </a:r>
-          </a:p>
-          <a:p>
-            <a:r>
-              <a:rPr sz="2600" dirty="0">
-                <a:solidFill>
-                  <a:srgbClr val="323232"/>
-                </a:solidFill>
-              </a:rPr>
-              <a:t>Happy to take any questions.</a:t>
+            <a:endParaRPr sz="2400" dirty="0"/>
+          </a:p>
+          <a:p>
+            <a:pPr marL="342900" indent="-342900">
+              <a:buFont typeface="Arial" panose="020B0604020202020204" pitchFamily="34" charset="0"/>
+              <a:buChar char="•"/>
+              <a:defRPr sz="1800">
+                <a:solidFill>
+                  <a:srgbClr val="000000"/>
+                </a:solidFill>
+                <a:latin typeface="Calibri"/>
+              </a:defRPr>
+            </a:pPr>
+            <a:r>
+              <a:rPr sz="2400" dirty="0"/>
+              <a:t>Integrate the Decision Tree model into the bank’s credit scoring system.</a:t>
+            </a:r>
+            <a:endParaRPr lang="en-US" sz="2400" dirty="0"/>
+          </a:p>
+          <a:p>
+            <a:pPr marL="342900" indent="-342900">
+              <a:buFont typeface="Arial" panose="020B0604020202020204" pitchFamily="34" charset="0"/>
+              <a:buChar char="•"/>
+              <a:defRPr sz="1800">
+                <a:solidFill>
+                  <a:srgbClr val="000000"/>
+                </a:solidFill>
+                <a:latin typeface="Calibri"/>
+              </a:defRPr>
+            </a:pPr>
+            <a:r>
+              <a:rPr sz="2400" dirty="0"/>
+              <a:t>Monitor model performance regularly and assess its business impact.</a:t>
+            </a:r>
+          </a:p>
+          <a:p>
+            <a:pPr marL="342900" indent="-342900">
+              <a:buFont typeface="Arial" panose="020B0604020202020204" pitchFamily="34" charset="0"/>
+              <a:buChar char="•"/>
+              <a:defRPr sz="1800">
+                <a:solidFill>
+                  <a:srgbClr val="000000"/>
+                </a:solidFill>
+                <a:latin typeface="Calibri"/>
+              </a:defRPr>
+            </a:pPr>
+            <a:r>
+              <a:rPr sz="2400" dirty="0"/>
+              <a:t>Retrain the model periodically using updated customer data.</a:t>
+            </a:r>
+          </a:p>
+          <a:p>
+            <a:pPr marL="342900" indent="-342900">
+              <a:buFont typeface="Arial" panose="020B0604020202020204" pitchFamily="34" charset="0"/>
+              <a:buChar char="•"/>
+              <a:defRPr sz="1800">
+                <a:solidFill>
+                  <a:srgbClr val="000000"/>
+                </a:solidFill>
+                <a:latin typeface="Calibri"/>
+              </a:defRPr>
+            </a:pPr>
+            <a:r>
+              <a:rPr sz="2400" dirty="0"/>
+              <a:t>Consider testing more advanced models like Random Forest or </a:t>
+            </a:r>
+            <a:r>
+              <a:rPr sz="2400" dirty="0" err="1"/>
+              <a:t>XGBoost</a:t>
+            </a:r>
+            <a:r>
+              <a:rPr sz="2400" dirty="0"/>
+              <a:t>.</a:t>
+            </a:r>
+          </a:p>
+          <a:p>
+            <a:pPr marL="342900" indent="-342900">
+              <a:buFont typeface="Arial" panose="020B0604020202020204" pitchFamily="34" charset="0"/>
+              <a:buChar char="•"/>
+              <a:defRPr sz="1800">
+                <a:solidFill>
+                  <a:srgbClr val="000000"/>
+                </a:solidFill>
+                <a:latin typeface="Calibri"/>
+              </a:defRPr>
+            </a:pPr>
+            <a:r>
+              <a:rPr sz="2400" dirty="0"/>
+              <a:t>Work with credit and collections teams to act on high-risk segments.</a:t>
             </a:r>
           </a:p>
         </p:txBody>

--- a/Final_Presentation.pptx
+++ b/Final_Presentation.pptx
@@ -5,7 +5,7 @@
     <p:sldMasterId id="2147483648" r:id="rId1"/>
   </p:sldMasterIdLst>
   <p:notesMasterIdLst>
-    <p:notesMasterId r:id="rId16"/>
+    <p:notesMasterId r:id="rId15"/>
   </p:notesMasterIdLst>
   <p:sldIdLst>
     <p:sldId id="256" r:id="rId2"/>
@@ -21,7 +21,6 @@
     <p:sldId id="277" r:id="rId12"/>
     <p:sldId id="280" r:id="rId13"/>
     <p:sldId id="275" r:id="rId14"/>
-    <p:sldId id="263" r:id="rId15"/>
   </p:sldIdLst>
   <p:sldSz cx="9144000" cy="6858000" type="screen4x3"/>
   <p:notesSz cx="6858000" cy="9144000"/>
@@ -4114,138 +4113,6 @@
 </file>
 
 <file path=ppt/slides/slide13.xml><?xml version="1.0" encoding="utf-8"?>
-<p:sld xmlns:a="http://schemas.openxmlformats.org/drawingml/2006/main" xmlns:r="http://schemas.openxmlformats.org/officeDocument/2006/relationships" xmlns:p="http://schemas.openxmlformats.org/presentationml/2006/main">
-  <p:cSld>
-    <p:spTree>
-      <p:nvGrpSpPr>
-        <p:cNvPr id="1" name=""/>
-        <p:cNvGrpSpPr/>
-        <p:nvPr/>
-      </p:nvGrpSpPr>
-      <p:grpSpPr>
-        <a:xfrm>
-          <a:off x="0" y="0"/>
-          <a:ext cx="0" cy="0"/>
-          <a:chOff x="0" y="0"/>
-          <a:chExt cx="0" cy="0"/>
-        </a:xfrm>
-      </p:grpSpPr>
-      <p:sp>
-        <p:nvSpPr>
-          <p:cNvPr id="2" name="Title 1"/>
-          <p:cNvSpPr>
-            <a:spLocks noGrp="1"/>
-          </p:cNvSpPr>
-          <p:nvPr>
-            <p:ph type="title"/>
-          </p:nvPr>
-        </p:nvSpPr>
-        <p:spPr/>
-        <p:txBody>
-          <a:bodyPr>
-            <a:normAutofit/>
-          </a:bodyPr>
-          <a:lstStyle/>
-          <a:p>
-            <a:r>
-              <a:rPr sz="4000" b="1" dirty="0">
-                <a:solidFill>
-                  <a:srgbClr val="004C6D"/>
-                </a:solidFill>
-              </a:rPr>
-              <a:t>Thank You – Questions?</a:t>
-            </a:r>
-          </a:p>
-        </p:txBody>
-      </p:sp>
-      <p:sp>
-        <p:nvSpPr>
-          <p:cNvPr id="3" name="Content Placeholder 2"/>
-          <p:cNvSpPr>
-            <a:spLocks noGrp="1"/>
-          </p:cNvSpPr>
-          <p:nvPr>
-            <p:ph idx="1"/>
-          </p:nvPr>
-        </p:nvSpPr>
-        <p:spPr>
-          <a:xfrm>
-            <a:off x="457200" y="1654630"/>
-            <a:ext cx="8229600" cy="4525963"/>
-          </a:xfrm>
-        </p:spPr>
-        <p:txBody>
-          <a:bodyPr>
-            <a:normAutofit/>
-          </a:bodyPr>
-          <a:lstStyle/>
-          <a:p>
-            <a:r>
-              <a:rPr sz="2600" dirty="0">
-                <a:solidFill>
-                  <a:srgbClr val="323232"/>
-                </a:solidFill>
-              </a:rPr>
-              <a:t>Vincent </a:t>
-            </a:r>
-            <a:r>
-              <a:rPr sz="2600" dirty="0" err="1">
-                <a:solidFill>
-                  <a:srgbClr val="323232"/>
-                </a:solidFill>
-              </a:rPr>
-              <a:t>Barchok</a:t>
-            </a:r>
-            <a:r>
-              <a:rPr sz="2600" dirty="0">
-                <a:solidFill>
-                  <a:srgbClr val="323232"/>
-                </a:solidFill>
-              </a:rPr>
-              <a:t> Ngochoch</a:t>
-            </a:r>
-          </a:p>
-          <a:p>
-            <a:r>
-              <a:rPr sz="2600" dirty="0">
-                <a:solidFill>
-                  <a:srgbClr val="323232"/>
-                </a:solidFill>
-              </a:rPr>
-              <a:t>Email: vbarchok@gmail.com</a:t>
-            </a:r>
-          </a:p>
-          <a:p>
-            <a:r>
-              <a:rPr sz="2600" dirty="0">
-                <a:solidFill>
-                  <a:srgbClr val="323232"/>
-                </a:solidFill>
-              </a:rPr>
-              <a:t>LinkedIn: www.linkedin.com/in/vincent-ngochoch-94095b64</a:t>
-            </a:r>
-          </a:p>
-          <a:p>
-            <a:r>
-              <a:rPr sz="2600" dirty="0">
-                <a:solidFill>
-                  <a:srgbClr val="323232"/>
-                </a:solidFill>
-              </a:rPr>
-              <a:t>Happy to take any questions.</a:t>
-            </a:r>
-          </a:p>
-        </p:txBody>
-      </p:sp>
-    </p:spTree>
-  </p:cSld>
-  <p:clrMapOvr>
-    <a:masterClrMapping/>
-  </p:clrMapOvr>
-</p:sld>
-</file>
-
-<file path=ppt/slides/slide14.xml><?xml version="1.0" encoding="utf-8"?>
 <p:sld xmlns:a="http://schemas.openxmlformats.org/drawingml/2006/main" xmlns:r="http://schemas.openxmlformats.org/officeDocument/2006/relationships" xmlns:p="http://schemas.openxmlformats.org/presentationml/2006/main">
   <p:cSld>
     <p:spTree>

--- a/Final_Presentation.pptx
+++ b/Final_Presentation.pptx
@@ -220,7 +220,7 @@
           <a:p>
             <a:fld id="{9A7E2832-1C93-4156-879A-DA99E17EBE4B}" type="datetimeFigureOut">
               <a:rPr lang="en-US" smtClean="0"/>
-              <a:t>6/4/2025</a:t>
+              <a:t>6/5/2025</a:t>
             </a:fld>
             <a:endParaRPr lang="en-US"/>
           </a:p>
@@ -750,7 +750,7 @@
           <a:p>
             <a:fld id="{5BCAD085-E8A6-8845-BD4E-CB4CCA059FC4}" type="datetimeFigureOut">
               <a:rPr lang="en-US" smtClean="0"/>
-              <a:t>6/4/2025</a:t>
+              <a:t>6/5/2025</a:t>
             </a:fld>
             <a:endParaRPr lang="en-US"/>
           </a:p>
@@ -918,7 +918,7 @@
           <a:p>
             <a:fld id="{5BCAD085-E8A6-8845-BD4E-CB4CCA059FC4}" type="datetimeFigureOut">
               <a:rPr lang="en-US" smtClean="0"/>
-              <a:t>6/4/2025</a:t>
+              <a:t>6/5/2025</a:t>
             </a:fld>
             <a:endParaRPr lang="en-US"/>
           </a:p>
@@ -1096,7 +1096,7 @@
           <a:p>
             <a:fld id="{5BCAD085-E8A6-8845-BD4E-CB4CCA059FC4}" type="datetimeFigureOut">
               <a:rPr lang="en-US" smtClean="0"/>
-              <a:t>6/4/2025</a:t>
+              <a:t>6/5/2025</a:t>
             </a:fld>
             <a:endParaRPr lang="en-US"/>
           </a:p>
@@ -1264,7 +1264,7 @@
           <a:p>
             <a:fld id="{5BCAD085-E8A6-8845-BD4E-CB4CCA059FC4}" type="datetimeFigureOut">
               <a:rPr lang="en-US" smtClean="0"/>
-              <a:t>6/4/2025</a:t>
+              <a:t>6/5/2025</a:t>
             </a:fld>
             <a:endParaRPr lang="en-US"/>
           </a:p>
@@ -1509,7 +1509,7 @@
           <a:p>
             <a:fld id="{5BCAD085-E8A6-8845-BD4E-CB4CCA059FC4}" type="datetimeFigureOut">
               <a:rPr lang="en-US" smtClean="0"/>
-              <a:t>6/4/2025</a:t>
+              <a:t>6/5/2025</a:t>
             </a:fld>
             <a:endParaRPr lang="en-US"/>
           </a:p>
@@ -1794,7 +1794,7 @@
           <a:p>
             <a:fld id="{5BCAD085-E8A6-8845-BD4E-CB4CCA059FC4}" type="datetimeFigureOut">
               <a:rPr lang="en-US" smtClean="0"/>
-              <a:t>6/4/2025</a:t>
+              <a:t>6/5/2025</a:t>
             </a:fld>
             <a:endParaRPr lang="en-US"/>
           </a:p>
@@ -2213,7 +2213,7 @@
           <a:p>
             <a:fld id="{5BCAD085-E8A6-8845-BD4E-CB4CCA059FC4}" type="datetimeFigureOut">
               <a:rPr lang="en-US" smtClean="0"/>
-              <a:t>6/4/2025</a:t>
+              <a:t>6/5/2025</a:t>
             </a:fld>
             <a:endParaRPr lang="en-US"/>
           </a:p>
@@ -2330,7 +2330,7 @@
           <a:p>
             <a:fld id="{5BCAD085-E8A6-8845-BD4E-CB4CCA059FC4}" type="datetimeFigureOut">
               <a:rPr lang="en-US" smtClean="0"/>
-              <a:t>6/4/2025</a:t>
+              <a:t>6/5/2025</a:t>
             </a:fld>
             <a:endParaRPr lang="en-US"/>
           </a:p>
@@ -2425,7 +2425,7 @@
           <a:p>
             <a:fld id="{5BCAD085-E8A6-8845-BD4E-CB4CCA059FC4}" type="datetimeFigureOut">
               <a:rPr lang="en-US" smtClean="0"/>
-              <a:t>6/4/2025</a:t>
+              <a:t>6/5/2025</a:t>
             </a:fld>
             <a:endParaRPr lang="en-US"/>
           </a:p>
@@ -2700,7 +2700,7 @@
           <a:p>
             <a:fld id="{5BCAD085-E8A6-8845-BD4E-CB4CCA059FC4}" type="datetimeFigureOut">
               <a:rPr lang="en-US" smtClean="0"/>
-              <a:t>6/4/2025</a:t>
+              <a:t>6/5/2025</a:t>
             </a:fld>
             <a:endParaRPr lang="en-US"/>
           </a:p>
@@ -2952,7 +2952,7 @@
           <a:p>
             <a:fld id="{5BCAD085-E8A6-8845-BD4E-CB4CCA059FC4}" type="datetimeFigureOut">
               <a:rPr lang="en-US" smtClean="0"/>
-              <a:t>6/4/2025</a:t>
+              <a:t>6/5/2025</a:t>
             </a:fld>
             <a:endParaRPr lang="en-US"/>
           </a:p>
@@ -3169,7 +3169,7 @@
           <a:p>
             <a:fld id="{5BCAD085-E8A6-8845-BD4E-CB4CCA059FC4}" type="datetimeFigureOut">
               <a:rPr lang="en-US" smtClean="0"/>
-              <a:t>6/4/2025</a:t>
+              <a:t>6/5/2025</a:t>
             </a:fld>
             <a:endParaRPr lang="en-US"/>
           </a:p>
@@ -4169,8 +4169,8 @@
         </p:nvSpPr>
         <p:spPr>
           <a:xfrm>
-            <a:off x="457200" y="1654630"/>
-            <a:ext cx="8229600" cy="4525963"/>
+            <a:off x="457200" y="1654631"/>
+            <a:ext cx="8229600" cy="4278084"/>
           </a:xfrm>
         </p:spPr>
         <p:txBody>
@@ -4203,6 +4203,19 @@
               </a:rPr>
               <a:t> Ngochoch</a:t>
             </a:r>
+            <a:r>
+              <a:rPr lang="en-US" sz="2600" dirty="0">
+                <a:solidFill>
+                  <a:srgbClr val="323232"/>
+                </a:solidFill>
+              </a:rPr>
+              <a:t>.</a:t>
+            </a:r>
+            <a:endParaRPr sz="2600" dirty="0">
+              <a:solidFill>
+                <a:srgbClr val="323232"/>
+              </a:solidFill>
+            </a:endParaRPr>
           </a:p>
           <a:p>
             <a:r>
@@ -4213,6 +4226,19 @@
               </a:rPr>
               <a:t>Email: vbarchok@gmail.com</a:t>
             </a:r>
+            <a:r>
+              <a:rPr lang="en-US" sz="2600" dirty="0">
+                <a:solidFill>
+                  <a:srgbClr val="323232"/>
+                </a:solidFill>
+              </a:rPr>
+              <a:t>.</a:t>
+            </a:r>
+            <a:endParaRPr sz="2600" dirty="0">
+              <a:solidFill>
+                <a:srgbClr val="323232"/>
+              </a:solidFill>
+            </a:endParaRPr>
           </a:p>
           <a:p>
             <a:r>
